--- a/Plan.pptx
+++ b/Plan.pptx
@@ -119,7 +119,7 @@
 <file path=ppt/revisionInfo.xml><?xml version="1.0" encoding="utf-8"?>
 <p1510:revInfo xmlns:a="http://schemas.openxmlformats.org/drawingml/2006/main" xmlns:r="http://schemas.openxmlformats.org/officeDocument/2006/relationships" xmlns:p1510="http://schemas.microsoft.com/office/powerpoint/2015/10/main">
   <p1510:revLst>
-    <p1510:client id="{A1A8C267-D76C-4556-96CE-855A197CE94B}" v="10" dt="2024-11-29T06:14:46.474"/>
+    <p1510:client id="{A1A8C267-D76C-4556-96CE-855A197CE94B}" v="17" dt="2024-11-29T07:38:17.806"/>
   </p1510:revLst>
 </p1510:revInfo>
 </file>
@@ -1482,7 +1482,7 @@
   <pc:docChgLst>
     <pc:chgData name="#NI YUQIN#" userId="edf0547c-0190-4036-855d-43e773c42b6a" providerId="ADAL" clId="{A1A8C267-D76C-4556-96CE-855A197CE94B}"/>
     <pc:docChg chg="undo custSel addSld delSld modSld sldOrd">
-      <pc:chgData name="#NI YUQIN#" userId="edf0547c-0190-4036-855d-43e773c42b6a" providerId="ADAL" clId="{A1A8C267-D76C-4556-96CE-855A197CE94B}" dt="2024-11-29T06:31:17.503" v="561" actId="20577"/>
+      <pc:chgData name="#NI YUQIN#" userId="edf0547c-0190-4036-855d-43e773c42b6a" providerId="ADAL" clId="{A1A8C267-D76C-4556-96CE-855A197CE94B}" dt="2024-11-29T07:38:28.894" v="1287" actId="1076"/>
       <pc:docMkLst>
         <pc:docMk/>
       </pc:docMkLst>
@@ -1494,13 +1494,13 @@
         </pc:sldMkLst>
       </pc:sldChg>
       <pc:sldChg chg="addSp modSp mod">
-        <pc:chgData name="#NI YUQIN#" userId="edf0547c-0190-4036-855d-43e773c42b6a" providerId="ADAL" clId="{A1A8C267-D76C-4556-96CE-855A197CE94B}" dt="2024-11-29T06:17:40.694" v="529" actId="1076"/>
+        <pc:chgData name="#NI YUQIN#" userId="edf0547c-0190-4036-855d-43e773c42b6a" providerId="ADAL" clId="{A1A8C267-D76C-4556-96CE-855A197CE94B}" dt="2024-11-29T07:16:41.608" v="562" actId="1076"/>
         <pc:sldMkLst>
           <pc:docMk/>
           <pc:sldMk cId="2876227876" sldId="258"/>
         </pc:sldMkLst>
         <pc:spChg chg="mod">
-          <ac:chgData name="#NI YUQIN#" userId="edf0547c-0190-4036-855d-43e773c42b6a" providerId="ADAL" clId="{A1A8C267-D76C-4556-96CE-855A197CE94B}" dt="2024-11-29T06:08:17.529" v="1" actId="1076"/>
+          <ac:chgData name="#NI YUQIN#" userId="edf0547c-0190-4036-855d-43e773c42b6a" providerId="ADAL" clId="{A1A8C267-D76C-4556-96CE-855A197CE94B}" dt="2024-11-29T07:16:41.608" v="562" actId="1076"/>
           <ac:spMkLst>
             <pc:docMk/>
             <pc:sldMk cId="2876227876" sldId="258"/>
@@ -1757,13 +1757,21 @@
         </pc:cxnChg>
       </pc:sldChg>
       <pc:sldChg chg="addSp delSp modSp mod">
-        <pc:chgData name="#NI YUQIN#" userId="edf0547c-0190-4036-855d-43e773c42b6a" providerId="ADAL" clId="{A1A8C267-D76C-4556-96CE-855A197CE94B}" dt="2024-11-29T06:30:29.182" v="550" actId="1076"/>
+        <pc:chgData name="#NI YUQIN#" userId="edf0547c-0190-4036-855d-43e773c42b6a" providerId="ADAL" clId="{A1A8C267-D76C-4556-96CE-855A197CE94B}" dt="2024-11-29T07:38:20.665" v="1283" actId="1076"/>
         <pc:sldMkLst>
           <pc:docMk/>
           <pc:sldMk cId="2968098321" sldId="259"/>
         </pc:sldMkLst>
         <pc:spChg chg="add mod">
-          <ac:chgData name="#NI YUQIN#" userId="edf0547c-0190-4036-855d-43e773c42b6a" providerId="ADAL" clId="{A1A8C267-D76C-4556-96CE-855A197CE94B}" dt="2024-11-29T06:30:29.182" v="550" actId="1076"/>
+          <ac:chgData name="#NI YUQIN#" userId="edf0547c-0190-4036-855d-43e773c42b6a" providerId="ADAL" clId="{A1A8C267-D76C-4556-96CE-855A197CE94B}" dt="2024-11-29T07:38:20.665" v="1283" actId="1076"/>
+          <ac:spMkLst>
+            <pc:docMk/>
+            <pc:sldMk cId="2968098321" sldId="259"/>
+            <ac:spMk id="2" creationId="{31116AA5-4B3A-B2C2-1845-D1D9EF3E6CB6}"/>
+          </ac:spMkLst>
+        </pc:spChg>
+        <pc:spChg chg="add mod">
+          <ac:chgData name="#NI YUQIN#" userId="edf0547c-0190-4036-855d-43e773c42b6a" providerId="ADAL" clId="{A1A8C267-D76C-4556-96CE-855A197CE94B}" dt="2024-11-29T07:38:14.924" v="1282" actId="1076"/>
           <ac:spMkLst>
             <pc:docMk/>
             <pc:sldMk cId="2968098321" sldId="259"/>
@@ -1787,7 +1795,7 @@
           </ac:spMkLst>
         </pc:spChg>
         <pc:spChg chg="mod">
-          <ac:chgData name="#NI YUQIN#" userId="edf0547c-0190-4036-855d-43e773c42b6a" providerId="ADAL" clId="{A1A8C267-D76C-4556-96CE-855A197CE94B}" dt="2024-11-29T06:30:18.084" v="546"/>
+          <ac:chgData name="#NI YUQIN#" userId="edf0547c-0190-4036-855d-43e773c42b6a" providerId="ADAL" clId="{A1A8C267-D76C-4556-96CE-855A197CE94B}" dt="2024-11-29T07:38:06.372" v="1279" actId="1076"/>
           <ac:spMkLst>
             <pc:docMk/>
             <pc:sldMk cId="2968098321" sldId="259"/>
@@ -1955,11 +1963,19 @@
         </pc:cxnChg>
       </pc:sldChg>
       <pc:sldChg chg="addSp delSp modSp new mod">
-        <pc:chgData name="#NI YUQIN#" userId="edf0547c-0190-4036-855d-43e773c42b6a" providerId="ADAL" clId="{A1A8C267-D76C-4556-96CE-855A197CE94B}" dt="2024-11-29T06:31:17.503" v="561" actId="20577"/>
+        <pc:chgData name="#NI YUQIN#" userId="edf0547c-0190-4036-855d-43e773c42b6a" providerId="ADAL" clId="{A1A8C267-D76C-4556-96CE-855A197CE94B}" dt="2024-11-29T07:38:28.894" v="1287" actId="1076"/>
         <pc:sldMkLst>
           <pc:docMk/>
           <pc:sldMk cId="160403342" sldId="262"/>
         </pc:sldMkLst>
+        <pc:spChg chg="add mod">
+          <ac:chgData name="#NI YUQIN#" userId="edf0547c-0190-4036-855d-43e773c42b6a" providerId="ADAL" clId="{A1A8C267-D76C-4556-96CE-855A197CE94B}" dt="2024-11-29T07:38:28.894" v="1287" actId="1076"/>
+          <ac:spMkLst>
+            <pc:docMk/>
+            <pc:sldMk cId="160403342" sldId="262"/>
+            <ac:spMk id="2" creationId="{93C19D37-B7F9-9EDC-25AF-F0EDE1025322}"/>
+          </ac:spMkLst>
+        </pc:spChg>
         <pc:spChg chg="del">
           <ac:chgData name="#NI YUQIN#" userId="edf0547c-0190-4036-855d-43e773c42b6a" providerId="ADAL" clId="{A1A8C267-D76C-4556-96CE-855A197CE94B}" dt="2024-11-29T06:30:35.295" v="552" actId="478"/>
           <ac:spMkLst>
@@ -1976,8 +1992,8 @@
             <ac:spMk id="3" creationId="{9D6E9177-6026-9AAF-E4BC-4C6770D57655}"/>
           </ac:spMkLst>
         </pc:spChg>
-        <pc:spChg chg="add mod">
-          <ac:chgData name="#NI YUQIN#" userId="edf0547c-0190-4036-855d-43e773c42b6a" providerId="ADAL" clId="{A1A8C267-D76C-4556-96CE-855A197CE94B}" dt="2024-11-29T06:30:50.129" v="557" actId="14100"/>
+        <pc:spChg chg="add del mod">
+          <ac:chgData name="#NI YUQIN#" userId="edf0547c-0190-4036-855d-43e773c42b6a" providerId="ADAL" clId="{A1A8C267-D76C-4556-96CE-855A197CE94B}" dt="2024-11-29T07:38:22.696" v="1284" actId="478"/>
           <ac:spMkLst>
             <pc:docMk/>
             <pc:sldMk cId="160403342" sldId="262"/>
@@ -1985,7 +2001,7 @@
           </ac:spMkLst>
         </pc:spChg>
         <pc:spChg chg="add mod">
-          <ac:chgData name="#NI YUQIN#" userId="edf0547c-0190-4036-855d-43e773c42b6a" providerId="ADAL" clId="{A1A8C267-D76C-4556-96CE-855A197CE94B}" dt="2024-11-29T06:31:17.503" v="561" actId="20577"/>
+          <ac:chgData name="#NI YUQIN#" userId="edf0547c-0190-4036-855d-43e773c42b6a" providerId="ADAL" clId="{A1A8C267-D76C-4556-96CE-855A197CE94B}" dt="2024-11-29T07:38:26.174" v="1285" actId="1076"/>
           <ac:spMkLst>
             <pc:docMk/>
             <pc:sldMk cId="160403342" sldId="262"/>
@@ -5230,7 +5246,7 @@
         </p:nvSpPr>
         <p:spPr>
           <a:xfrm>
-            <a:off x="305879" y="18827"/>
+            <a:off x="130951" y="-288658"/>
             <a:ext cx="10515600" cy="1325563"/>
           </a:xfrm>
         </p:spPr>
@@ -7994,8 +8010,8 @@
         </p:nvSpPr>
         <p:spPr>
           <a:xfrm>
-            <a:off x="536994" y="496019"/>
-            <a:ext cx="10260623" cy="2585323"/>
+            <a:off x="451449" y="2372527"/>
+            <a:ext cx="11485378" cy="2308324"/>
           </a:xfrm>
           <a:prstGeom prst="rect">
             <a:avLst/>
@@ -8010,11 +8026,11 @@
           <a:p>
             <a:r>
               <a:rPr lang="en-US" altLang="zh-CN" b="1" dirty="0"/>
-              <a:t>1. Current Density</a:t>
-            </a:r>
-          </a:p>
-          <a:p>
-            <a:pPr>
+              <a:t>2. Current Density</a:t>
+            </a:r>
+          </a:p>
+          <a:p>
+            <a:pPr marL="285750" indent="-285750">
               <a:buFont typeface="Arial" panose="020B0604020202020204" pitchFamily="34" charset="0"/>
               <a:buChar char="•"/>
             </a:pPr>
@@ -8034,7 +8050,7 @@
             </a:pPr>
             <a:r>
               <a:rPr lang="en-US" altLang="zh-CN" dirty="0"/>
-              <a:t>Higher current densities increase the rate of water dissociation at the BPM, leading to higher OH⁻ concentrations near the BPM.</a:t>
+              <a:t>Related to the rate of water dissociation at the BPM, leading to higher OH⁻ concentrations near the BPM.</a:t>
             </a:r>
           </a:p>
           <a:p>
@@ -8048,13 +8064,13 @@
             </a:r>
           </a:p>
           <a:p>
-            <a:pPr>
+            <a:pPr marL="285750" indent="-285750">
               <a:buFont typeface="Arial" panose="020B0604020202020204" pitchFamily="34" charset="0"/>
               <a:buChar char="•"/>
             </a:pPr>
             <a:r>
               <a:rPr lang="en-US" altLang="zh-CN" b="1" dirty="0"/>
-              <a:t>Impact on Ion Transport</a:t>
+              <a:t>Impact on divalent ion Transport</a:t>
             </a:r>
             <a:r>
               <a:rPr lang="en-US" altLang="zh-CN" dirty="0"/>
@@ -8097,8 +8113,8 @@
         </p:nvSpPr>
         <p:spPr>
           <a:xfrm>
-            <a:off x="536994" y="3495410"/>
-            <a:ext cx="11203557" cy="2308324"/>
+            <a:off x="451449" y="784015"/>
+            <a:ext cx="11203557" cy="923330"/>
           </a:xfrm>
           <a:prstGeom prst="rect">
             <a:avLst/>
@@ -8113,21 +8129,17 @@
           <a:p>
             <a:r>
               <a:rPr lang="en-US" altLang="zh-CN" b="1" dirty="0"/>
-              <a:t>2. Feed Solution Composition</a:t>
-            </a:r>
-          </a:p>
-          <a:p>
-            <a:pPr>
+              <a:t>1. Feed Solution Composition</a:t>
+            </a:r>
+          </a:p>
+          <a:p>
+            <a:pPr marL="285750" indent="-285750">
               <a:buFont typeface="Arial" panose="020B0604020202020204" pitchFamily="34" charset="0"/>
               <a:buChar char="•"/>
             </a:pPr>
             <a:r>
               <a:rPr lang="en-US" altLang="zh-CN" b="1" dirty="0"/>
-              <a:t>Divalent Ion Concentrations (Ca²⁺, Mg²⁺)</a:t>
-            </a:r>
-            <a:r>
-              <a:rPr lang="en-US" altLang="zh-CN" dirty="0"/>
-              <a:t>:</a:t>
+              <a:t>Impact on Ksp</a:t>
             </a:r>
           </a:p>
           <a:p>
@@ -8137,21 +8149,52 @@
             </a:pPr>
             <a:r>
               <a:rPr lang="en-US" altLang="zh-CN" dirty="0"/>
-              <a:t>High concentrations increase the likelihood of exceeding solubility limits near the BPM.</a:t>
-            </a:r>
-          </a:p>
-          <a:p>
-            <a:pPr>
+              <a:t>The concentration in salt solution directly affects scaling </a:t>
+            </a:r>
+          </a:p>
+        </p:txBody>
+      </p:sp>
+      <p:sp>
+        <p:nvSpPr>
+          <p:cNvPr id="2" name="文本框 1">
+            <a:extLst>
+              <a:ext uri="{FF2B5EF4-FFF2-40B4-BE49-F238E27FC236}">
+                <a16:creationId xmlns:a16="http://schemas.microsoft.com/office/drawing/2014/main" id="{31116AA5-4B3A-B2C2-1845-D1D9EF3E6CB6}"/>
+              </a:ext>
+            </a:extLst>
+          </p:cNvPr>
+          <p:cNvSpPr txBox="1"/>
+          <p:nvPr/>
+        </p:nvSpPr>
+        <p:spPr>
+          <a:xfrm>
+            <a:off x="451449" y="5183665"/>
+            <a:ext cx="11117293" cy="1200329"/>
+          </a:xfrm>
+          <a:prstGeom prst="rect">
+            <a:avLst/>
+          </a:prstGeom>
+          <a:noFill/>
+        </p:spPr>
+        <p:txBody>
+          <a:bodyPr wrap="square">
+            <a:spAutoFit/>
+          </a:bodyPr>
+          <a:lstStyle/>
+          <a:p>
+            <a:r>
+              <a:rPr lang="en-US" altLang="zh-CN" b="1" dirty="0"/>
+              <a:t>3. pH of the Feed Solution</a:t>
+            </a:r>
+          </a:p>
+          <a:p>
+            <a:pPr marL="285750" indent="-285750">
               <a:buFont typeface="Arial" panose="020B0604020202020204" pitchFamily="34" charset="0"/>
               <a:buChar char="•"/>
             </a:pPr>
             <a:r>
               <a:rPr lang="en-US" altLang="zh-CN" b="1" dirty="0"/>
-              <a:t>Co-ion Effects</a:t>
-            </a:r>
-            <a:r>
-              <a:rPr lang="en-US" altLang="zh-CN" dirty="0"/>
-              <a:t>:</a:t>
+              <a:t>Initial pH</a:t>
             </a:r>
           </a:p>
           <a:p>
@@ -8161,47 +8204,7 @@
             </a:pPr>
             <a:r>
               <a:rPr lang="en-US" altLang="zh-CN" dirty="0"/>
-              <a:t>Presence of anions like CO₃²⁻ or SO₄²⁻ can lead to the formation of insoluble salts (e.g., </a:t>
-            </a:r>
-            <a:r>
-              <a:rPr lang="en-US" altLang="zh-CN" dirty="0" err="1"/>
-              <a:t>CaCO</a:t>
-            </a:r>
-            <a:r>
-              <a:rPr lang="en-US" altLang="zh-CN" dirty="0"/>
-              <a:t>₃, </a:t>
-            </a:r>
-            <a:r>
-              <a:rPr lang="en-US" altLang="zh-CN" dirty="0" err="1"/>
-              <a:t>MgSO</a:t>
-            </a:r>
-            <a:r>
-              <a:rPr lang="en-US" altLang="zh-CN" dirty="0"/>
-              <a:t>₄).</a:t>
-            </a:r>
-          </a:p>
-          <a:p>
-            <a:pPr>
-              <a:buFont typeface="Arial" panose="020B0604020202020204" pitchFamily="34" charset="0"/>
-              <a:buChar char="•"/>
-            </a:pPr>
-            <a:r>
-              <a:rPr lang="en-US" altLang="zh-CN" b="1" dirty="0"/>
-              <a:t>Buffering Capacity</a:t>
-            </a:r>
-            <a:r>
-              <a:rPr lang="en-US" altLang="zh-CN" dirty="0"/>
-              <a:t>:</a:t>
-            </a:r>
-          </a:p>
-          <a:p>
-            <a:pPr marL="742950" lvl="1" indent="-285750">
-              <a:buFont typeface="Arial" panose="020B0604020202020204" pitchFamily="34" charset="0"/>
-              <a:buChar char="•"/>
-            </a:pPr>
-            <a:r>
-              <a:rPr lang="en-US" altLang="zh-CN" dirty="0"/>
-              <a:t>Solutions with poor buffering may experience localized pH spikes near the membrane, exacerbating scaling.</a:t>
+              <a:t>As the leakage of OH- to salt chamber, there is scaling on CEM facing salt chamber. A lower pH may help to neutralize the leakage.</a:t>
             </a:r>
           </a:p>
         </p:txBody>
@@ -8238,10 +8241,10 @@
       </p:grpSpPr>
       <p:sp>
         <p:nvSpPr>
-          <p:cNvPr id="5" name="文本框 4">
-            <a:extLst>
-              <a:ext uri="{FF2B5EF4-FFF2-40B4-BE49-F238E27FC236}">
-                <a16:creationId xmlns:a16="http://schemas.microsoft.com/office/drawing/2014/main" id="{1028B679-FF32-77DB-226A-FB8EC096CAEB}"/>
+          <p:cNvPr id="7" name="文本框 6">
+            <a:extLst>
+              <a:ext uri="{FF2B5EF4-FFF2-40B4-BE49-F238E27FC236}">
+                <a16:creationId xmlns:a16="http://schemas.microsoft.com/office/drawing/2014/main" id="{E649ED79-D6B2-727D-AE51-7C988687B687}"/>
               </a:ext>
             </a:extLst>
           </p:cNvPr>
@@ -8250,90 +8253,7 @@
         </p:nvSpPr>
         <p:spPr>
           <a:xfrm>
-            <a:off x="631884" y="428785"/>
-            <a:ext cx="11117293" cy="1754326"/>
-          </a:xfrm>
-          <a:prstGeom prst="rect">
-            <a:avLst/>
-          </a:prstGeom>
-          <a:noFill/>
-        </p:spPr>
-        <p:txBody>
-          <a:bodyPr wrap="square">
-            <a:spAutoFit/>
-          </a:bodyPr>
-          <a:lstStyle/>
-          <a:p>
-            <a:r>
-              <a:rPr lang="en-US" altLang="zh-CN" b="1" dirty="0"/>
-              <a:t>3. pH of the Feed Solution</a:t>
-            </a:r>
-          </a:p>
-          <a:p>
-            <a:pPr>
-              <a:buFont typeface="Arial" panose="020B0604020202020204" pitchFamily="34" charset="0"/>
-              <a:buChar char="•"/>
-            </a:pPr>
-            <a:r>
-              <a:rPr lang="en-US" altLang="zh-CN" b="1" dirty="0"/>
-              <a:t>Initial pH</a:t>
-            </a:r>
-            <a:r>
-              <a:rPr lang="en-US" altLang="zh-CN" dirty="0"/>
-              <a:t>:</a:t>
-            </a:r>
-          </a:p>
-          <a:p>
-            <a:pPr marL="742950" lvl="1" indent="-285750">
-              <a:buFont typeface="Arial" panose="020B0604020202020204" pitchFamily="34" charset="0"/>
-              <a:buChar char="•"/>
-            </a:pPr>
-            <a:r>
-              <a:rPr lang="en-US" altLang="zh-CN" dirty="0"/>
-              <a:t>A lower initial pH reduces OH⁻ concentration at the start but may not prevent localized scaling near the BPM where pH spikes.</a:t>
-            </a:r>
-          </a:p>
-          <a:p>
-            <a:pPr>
-              <a:buFont typeface="Arial" panose="020B0604020202020204" pitchFamily="34" charset="0"/>
-              <a:buChar char="•"/>
-            </a:pPr>
-            <a:r>
-              <a:rPr lang="en-US" altLang="zh-CN" b="1" dirty="0"/>
-              <a:t>pH Gradient</a:t>
-            </a:r>
-            <a:r>
-              <a:rPr lang="en-US" altLang="zh-CN" dirty="0"/>
-              <a:t>:</a:t>
-            </a:r>
-          </a:p>
-          <a:p>
-            <a:pPr marL="742950" lvl="1" indent="-285750">
-              <a:buFont typeface="Arial" panose="020B0604020202020204" pitchFamily="34" charset="0"/>
-              <a:buChar char="•"/>
-            </a:pPr>
-            <a:r>
-              <a:rPr lang="en-US" altLang="zh-CN" dirty="0"/>
-              <a:t>The extent of pH change across the system influences OH⁻ availability for scaling reactions.</a:t>
-            </a:r>
-          </a:p>
-        </p:txBody>
-      </p:sp>
-      <p:sp>
-        <p:nvSpPr>
-          <p:cNvPr id="7" name="文本框 6">
-            <a:extLst>
-              <a:ext uri="{FF2B5EF4-FFF2-40B4-BE49-F238E27FC236}">
-                <a16:creationId xmlns:a16="http://schemas.microsoft.com/office/drawing/2014/main" id="{E649ED79-D6B2-727D-AE51-7C988687B687}"/>
-              </a:ext>
-            </a:extLst>
-          </p:cNvPr>
-          <p:cNvSpPr txBox="1"/>
-          <p:nvPr/>
-        </p:nvSpPr>
-        <p:spPr>
-          <a:xfrm>
-            <a:off x="631884" y="3093872"/>
+            <a:off x="608030" y="740286"/>
             <a:ext cx="10306410" cy="2031325"/>
           </a:xfrm>
           <a:prstGeom prst="rect">
@@ -8353,7 +8273,7 @@
             </a:r>
           </a:p>
           <a:p>
-            <a:pPr>
+            <a:pPr marL="285750" indent="-285750">
               <a:buFont typeface="Arial" panose="020B0604020202020204" pitchFamily="34" charset="0"/>
               <a:buChar char="•"/>
             </a:pPr>
@@ -8377,7 +8297,7 @@
             </a:r>
           </a:p>
           <a:p>
-            <a:pPr>
+            <a:pPr marL="285750" indent="-285750">
               <a:buFont typeface="Arial" panose="020B0604020202020204" pitchFamily="34" charset="0"/>
               <a:buChar char="•"/>
             </a:pPr>
@@ -8398,6 +8318,108 @@
             <a:r>
               <a:rPr lang="en-US" altLang="zh-CN" dirty="0"/>
               <a:t>Lower flow rates increase the boundary layer thickness, leading to localized supersaturation and precipitation.</a:t>
+            </a:r>
+          </a:p>
+        </p:txBody>
+      </p:sp>
+      <p:sp>
+        <p:nvSpPr>
+          <p:cNvPr id="2" name="文本框 1">
+            <a:extLst>
+              <a:ext uri="{FF2B5EF4-FFF2-40B4-BE49-F238E27FC236}">
+                <a16:creationId xmlns:a16="http://schemas.microsoft.com/office/drawing/2014/main" id="{93C19D37-B7F9-9EDC-25AF-F0EDE1025322}"/>
+              </a:ext>
+            </a:extLst>
+          </p:cNvPr>
+          <p:cNvSpPr txBox="1"/>
+          <p:nvPr/>
+        </p:nvSpPr>
+        <p:spPr>
+          <a:xfrm>
+            <a:off x="608030" y="3635886"/>
+            <a:ext cx="10306410" cy="1754326"/>
+          </a:xfrm>
+          <a:prstGeom prst="rect">
+            <a:avLst/>
+          </a:prstGeom>
+          <a:noFill/>
+        </p:spPr>
+        <p:txBody>
+          <a:bodyPr wrap="square">
+            <a:spAutoFit/>
+          </a:bodyPr>
+          <a:lstStyle/>
+          <a:p>
+            <a:r>
+              <a:rPr lang="en-US" altLang="zh-CN" b="1" dirty="0"/>
+              <a:t>5. Membrane type</a:t>
+            </a:r>
+          </a:p>
+          <a:p>
+            <a:pPr marL="285750" indent="-285750">
+              <a:buFont typeface="Arial" panose="020B0604020202020204" pitchFamily="34" charset="0"/>
+              <a:buChar char="•"/>
+            </a:pPr>
+            <a:r>
+              <a:rPr lang="en-US" altLang="zh-CN" b="1" dirty="0"/>
+              <a:t>Impact on ion transport</a:t>
+            </a:r>
+          </a:p>
+          <a:p>
+            <a:pPr marL="742950" lvl="1" indent="-285750">
+              <a:buFont typeface="Arial" panose="020B0604020202020204" pitchFamily="34" charset="0"/>
+              <a:buChar char="•"/>
+            </a:pPr>
+            <a:r>
+              <a:rPr lang="en-US" altLang="zh-CN" dirty="0"/>
+              <a:t>Normal CEM allow all ions to pass through, while selective CEM will prevent most divalent ions</a:t>
+            </a:r>
+          </a:p>
+          <a:p>
+            <a:pPr marL="742950" lvl="1" indent="-285750">
+              <a:buFont typeface="Arial" panose="020B0604020202020204" pitchFamily="34" charset="0"/>
+              <a:buChar char="•"/>
+            </a:pPr>
+            <a:r>
+              <a:rPr lang="en-US" altLang="zh-CN" dirty="0"/>
+              <a:t>Related to the scaling on membrane facing base chamber.</a:t>
+            </a:r>
+            <a:endParaRPr lang="en-US" altLang="zh-CN" b="1" dirty="0"/>
+          </a:p>
+          <a:p>
+            <a:pPr marL="285750" indent="-285750">
+              <a:buFont typeface="Arial" panose="020B0604020202020204" pitchFamily="34" charset="0"/>
+              <a:buChar char="•"/>
+            </a:pPr>
+            <a:r>
+              <a:rPr lang="en-US" altLang="zh-CN" b="1" dirty="0"/>
+              <a:t>Impact on OH</a:t>
+            </a:r>
+            <a:r>
+              <a:rPr lang="en-US" altLang="zh-CN" b="1" baseline="30000" dirty="0"/>
+              <a:t>-</a:t>
+            </a:r>
+            <a:r>
+              <a:rPr lang="en-US" altLang="zh-CN" b="1" dirty="0"/>
+              <a:t> leakage</a:t>
+            </a:r>
+          </a:p>
+          <a:p>
+            <a:pPr marL="742950" lvl="1" indent="-285750">
+              <a:buFont typeface="Arial" panose="020B0604020202020204" pitchFamily="34" charset="0"/>
+              <a:buChar char="•"/>
+            </a:pPr>
+            <a:r>
+              <a:rPr lang="en-US" altLang="zh-CN" dirty="0"/>
+              <a:t>Whether it can prevent OH</a:t>
+            </a:r>
+            <a:r>
+              <a:rPr lang="en-US" altLang="zh-CN" baseline="30000" dirty="0"/>
+              <a:t>-</a:t>
+            </a:r>
+            <a:r>
+              <a:rPr lang="en-US" altLang="zh-CN" dirty="0"/>
+              <a:t> leakage</a:t>
             </a:r>
           </a:p>
         </p:txBody>
